--- a/DraftSlides/Lecture15.pptx
+++ b/DraftSlides/Lecture15.pptx
@@ -219,8 +219,56 @@
 </p:presentation>
 </file>
 
+<file path=ppt/revisionInfo.xml><?xml version="1.0" encoding="utf-8"?>
+<p1510:revInfo xmlns:a="http://schemas.openxmlformats.org/drawingml/2006/main" xmlns:r="http://schemas.openxmlformats.org/officeDocument/2006/relationships" xmlns:p1510="http://schemas.microsoft.com/office/powerpoint/2015/10/main">
+  <p1510:revLst>
+    <p1510:client id="{249E63B8-817E-4E8A-A524-1195D4696A85}" v="1" dt="2023-01-12T18:47:51.667"/>
+  </p1510:revLst>
+</p1510:revInfo>
+</file>
+
 <file path=ppt/changesInfos/changesInfo1.xml><?xml version="1.0" encoding="utf-8"?>
 <pc:chgInfo xmlns:a="http://schemas.openxmlformats.org/drawingml/2006/main" xmlns:r="http://schemas.openxmlformats.org/officeDocument/2006/relationships" xmlns:ac="http://schemas.microsoft.com/office/drawing/2013/main/command" xmlns:pc="http://schemas.microsoft.com/office/powerpoint/2013/main/command">
+  <pc:docChgLst>
+    <pc:chgData name="Khattab, Sherif" userId="c83b1e15-36f3-4f46-aceb-05aac24c545e" providerId="ADAL" clId="{249E63B8-817E-4E8A-A524-1195D4696A85}"/>
+    <pc:docChg chg="modSld">
+      <pc:chgData name="Khattab, Sherif" userId="c83b1e15-36f3-4f46-aceb-05aac24c545e" providerId="ADAL" clId="{249E63B8-817E-4E8A-A524-1195D4696A85}" dt="2023-01-12T18:47:51.667" v="13"/>
+      <pc:docMkLst>
+        <pc:docMk/>
+      </pc:docMkLst>
+      <pc:sldChg chg="addSp modSp mod">
+        <pc:chgData name="Khattab, Sherif" userId="c83b1e15-36f3-4f46-aceb-05aac24c545e" providerId="ADAL" clId="{249E63B8-817E-4E8A-A524-1195D4696A85}" dt="2023-01-12T18:47:51.667" v="13"/>
+        <pc:sldMkLst>
+          <pc:docMk/>
+          <pc:sldMk cId="1330366002" sldId="454"/>
+        </pc:sldMkLst>
+        <pc:spChg chg="mod">
+          <ac:chgData name="Khattab, Sherif" userId="c83b1e15-36f3-4f46-aceb-05aac24c545e" providerId="ADAL" clId="{249E63B8-817E-4E8A-A524-1195D4696A85}" dt="2023-01-12T18:47:50.975" v="12" actId="20577"/>
+          <ac:spMkLst>
+            <pc:docMk/>
+            <pc:sldMk cId="1330366002" sldId="454"/>
+            <ac:spMk id="2" creationId="{00000000-0000-0000-0000-000000000000}"/>
+          </ac:spMkLst>
+        </pc:spChg>
+        <pc:spChg chg="mod">
+          <ac:chgData name="Khattab, Sherif" userId="c83b1e15-36f3-4f46-aceb-05aac24c545e" providerId="ADAL" clId="{249E63B8-817E-4E8A-A524-1195D4696A85}" dt="2023-01-12T18:47:49.135" v="10" actId="20577"/>
+          <ac:spMkLst>
+            <pc:docMk/>
+            <pc:sldMk cId="1330366002" sldId="454"/>
+            <ac:spMk id="3" creationId="{00000000-0000-0000-0000-000000000000}"/>
+          </ac:spMkLst>
+        </pc:spChg>
+        <pc:picChg chg="add mod">
+          <ac:chgData name="Khattab, Sherif" userId="c83b1e15-36f3-4f46-aceb-05aac24c545e" providerId="ADAL" clId="{249E63B8-817E-4E8A-A524-1195D4696A85}" dt="2023-01-12T18:47:51.667" v="13"/>
+          <ac:picMkLst>
+            <pc:docMk/>
+            <pc:sldMk cId="1330366002" sldId="454"/>
+            <ac:picMk id="5" creationId="{8E25E3A3-B3CB-AE45-249F-F82994A9018A}"/>
+          </ac:picMkLst>
+        </pc:picChg>
+      </pc:sldChg>
+    </pc:docChg>
+  </pc:docChgLst>
   <pc:docChgLst>
     <pc:chgData name="Khattab, Sherif" userId="c83b1e15-36f3-4f46-aceb-05aac24c545e" providerId="ADAL" clId="{14B739EE-EE65-4CC1-9D38-0206FE76C94A}"/>
     <pc:docChg chg="delSld">
@@ -5178,7 +5226,7 @@
               </a:lnSpc>
             </a:pPr>
             <a:r>
-              <a:rPr lang="en-US" sz="3600">
+              <a:rPr lang="en-US" sz="3600" dirty="0">
                 <a:solidFill>
                   <a:srgbClr val="FCB818"/>
                 </a:solidFill>
@@ -5187,7 +5235,7 @@
               <a:t>Introduction to Operating Systems</a:t>
             </a:r>
             <a:br>
-              <a:rPr lang="en-US" sz="3600">
+              <a:rPr lang="en-US" sz="3600" dirty="0">
                 <a:solidFill>
                   <a:srgbClr val="FCB818"/>
                 </a:solidFill>
@@ -5195,13 +5243,13 @@
               </a:rPr>
             </a:br>
             <a:r>
-              <a:rPr lang="en-US" sz="3600">
+              <a:rPr lang="en-US" sz="3600" dirty="0">
                 <a:solidFill>
                   <a:srgbClr val="FCB818"/>
                 </a:solidFill>
                 <a:latin typeface="Helvetica" pitchFamily="2" charset="0"/>
               </a:rPr>
-              <a:t>CS/COE 1550</a:t>
+              <a:t>CS 1550</a:t>
             </a:r>
           </a:p>
         </p:txBody>
@@ -5229,8 +5277,8 @@
           <a:lstStyle/>
           <a:p>
             <a:r>
-              <a:rPr lang="en-US"/>
-              <a:t>Fall 2021</a:t>
+              <a:rPr lang="en-US" dirty="0"/>
+              <a:t>Spring 2023</a:t>
             </a:r>
           </a:p>
           <a:p>
@@ -5240,12 +5288,8 @@
               </a:lnSpc>
             </a:pPr>
             <a:r>
-              <a:rPr lang="en-GB" altLang="en-US" sz="4000"/>
-              <a:t>Sherif </a:t>
-            </a:r>
-            <a:r>
               <a:rPr lang="en-GB" altLang="en-US" sz="4000" dirty="0"/>
-              <a:t>Khattab</a:t>
+              <a:t>Sherif Khattab</a:t>
             </a:r>
           </a:p>
           <a:p>
@@ -5425,6 +5469,53 @@
           <a:xfrm>
             <a:off x="2219325" y="201474"/>
             <a:ext cx="5619750" cy="1733550"/>
+          </a:xfrm>
+          <a:prstGeom prst="rect">
+            <a:avLst/>
+          </a:prstGeom>
+          <a:noFill/>
+          <a:extLst>
+            <a:ext uri="{909E8E84-426E-40DD-AFC4-6F175D3DCCD1}">
+              <a14:hiddenFill xmlns:a14="http://schemas.microsoft.com/office/drawing/2010/main">
+                <a:solidFill>
+                  <a:srgbClr val="FFFFFF"/>
+                </a:solidFill>
+              </a14:hiddenFill>
+            </a:ext>
+          </a:extLst>
+        </p:spPr>
+      </p:pic>
+      <p:pic>
+        <p:nvPicPr>
+          <p:cNvPr id="5" name="Picture 2">
+            <a:extLst>
+              <a:ext uri="{FF2B5EF4-FFF2-40B4-BE49-F238E27FC236}">
+                <a16:creationId xmlns:a16="http://schemas.microsoft.com/office/drawing/2014/main" id="{8E25E3A3-B3CB-AE45-249F-F82994A9018A}"/>
+              </a:ext>
+            </a:extLst>
+          </p:cNvPr>
+          <p:cNvPicPr>
+            <a:picLocks noChangeAspect="1" noChangeArrowheads="1"/>
+          </p:cNvPicPr>
+          <p:nvPr/>
+        </p:nvPicPr>
+        <p:blipFill>
+          <a:blip r:embed="rId4">
+            <a:extLst>
+              <a:ext uri="{28A0092B-C50C-407E-A947-70E740481C1C}">
+                <a14:useLocalDpi xmlns:a14="http://schemas.microsoft.com/office/drawing/2010/main" val="0"/>
+              </a:ext>
+            </a:extLst>
+          </a:blip>
+          <a:srcRect/>
+          <a:stretch>
+            <a:fillRect/>
+          </a:stretch>
+        </p:blipFill>
+        <p:spPr bwMode="auto">
+          <a:xfrm>
+            <a:off x="590550" y="3964453"/>
+            <a:ext cx="2349500" cy="2349500"/>
           </a:xfrm>
           <a:prstGeom prst="rect">
             <a:avLst/>
